--- a/ppt/PythonMath10-Scipy.pptx
+++ b/ppt/PythonMath10-Scipy.pptx
@@ -628,35 +628,35 @@
           <a:p>
             <a:pPr lvl="0"/>
             <a:r>
-              <a:rPr lang="fr-FR" noProof="0" smtClean="0"/>
+              <a:rPr lang="fr-FR" noProof="0"/>
               <a:t>Cliquez pour modifier les styles du texte du masque</a:t>
             </a:r>
           </a:p>
           <a:p>
             <a:pPr lvl="1"/>
             <a:r>
-              <a:rPr lang="fr-FR" noProof="0" smtClean="0"/>
+              <a:rPr lang="fr-FR" noProof="0"/>
               <a:t>Deuxième niveau</a:t>
             </a:r>
           </a:p>
           <a:p>
             <a:pPr lvl="2"/>
             <a:r>
-              <a:rPr lang="fr-FR" noProof="0" smtClean="0"/>
+              <a:rPr lang="fr-FR" noProof="0"/>
               <a:t>Troisième niveau</a:t>
             </a:r>
           </a:p>
           <a:p>
             <a:pPr lvl="3"/>
             <a:r>
-              <a:rPr lang="fr-FR" noProof="0" smtClean="0"/>
+              <a:rPr lang="fr-FR" noProof="0"/>
               <a:t>Quatrième niveau</a:t>
             </a:r>
           </a:p>
           <a:p>
             <a:pPr lvl="4"/>
             <a:r>
-              <a:rPr lang="fr-FR" noProof="0" smtClean="0"/>
+              <a:rPr lang="fr-FR" noProof="0"/>
               <a:t>Cinquième niveau</a:t>
             </a:r>
           </a:p>
@@ -944,10 +944,9 @@
           <a:lstStyle/>
           <a:p>
             <a:r>
-              <a:rPr lang="fr-FR" smtClean="0"/>
+              <a:rPr lang="fr-FR"/>
               <a:t>Cliquez pour modifier le style du titre</a:t>
             </a:r>
-            <a:endParaRPr lang="fr-FR"/>
           </a:p>
         </p:txBody>
       </p:sp>
@@ -1009,10 +1008,9 @@
           </a:lstStyle>
           <a:p>
             <a:r>
-              <a:rPr lang="fr-FR" smtClean="0"/>
+              <a:rPr lang="fr-FR"/>
               <a:t>Cliquez pour modifier le style des sous-titres du masque</a:t>
             </a:r>
-            <a:endParaRPr lang="fr-FR"/>
           </a:p>
         </p:txBody>
       </p:sp>
@@ -1067,10 +1065,9 @@
           <a:lstStyle/>
           <a:p>
             <a:r>
-              <a:rPr lang="fr-FR" smtClean="0"/>
+              <a:rPr lang="fr-FR"/>
               <a:t>Cliquez pour modifier le style du titre</a:t>
             </a:r>
-            <a:endParaRPr lang="fr-FR"/>
           </a:p>
         </p:txBody>
       </p:sp>
@@ -1096,38 +1093,37 @@
           <a:p>
             <a:pPr lvl="0"/>
             <a:r>
-              <a:rPr lang="fr-FR" smtClean="0"/>
+              <a:rPr lang="fr-FR"/>
               <a:t>Cliquez pour modifier les styles du texte du masque</a:t>
             </a:r>
           </a:p>
           <a:p>
             <a:pPr lvl="1"/>
             <a:r>
-              <a:rPr lang="fr-FR" smtClean="0"/>
+              <a:rPr lang="fr-FR"/>
               <a:t>Deuxième niveau</a:t>
             </a:r>
           </a:p>
           <a:p>
             <a:pPr lvl="2"/>
             <a:r>
-              <a:rPr lang="fr-FR" smtClean="0"/>
+              <a:rPr lang="fr-FR"/>
               <a:t>Troisième niveau</a:t>
             </a:r>
           </a:p>
           <a:p>
             <a:pPr lvl="3"/>
             <a:r>
-              <a:rPr lang="fr-FR" smtClean="0"/>
+              <a:rPr lang="fr-FR"/>
               <a:t>Quatrième niveau</a:t>
             </a:r>
           </a:p>
           <a:p>
             <a:pPr lvl="4"/>
             <a:r>
-              <a:rPr lang="fr-FR" smtClean="0"/>
+              <a:rPr lang="fr-FR"/>
               <a:t>Cinquième niveau</a:t>
             </a:r>
-            <a:endParaRPr lang="fr-FR"/>
           </a:p>
         </p:txBody>
       </p:sp>
@@ -1186,10 +1182,9 @@
           </a:lstStyle>
           <a:p>
             <a:r>
-              <a:rPr lang="fr-FR" dirty="0" smtClean="0"/>
+              <a:rPr lang="fr-FR" dirty="0"/>
               <a:t>Cliquez pour modifier le style du titre</a:t>
             </a:r>
-            <a:endParaRPr lang="fr-FR" dirty="0"/>
           </a:p>
         </p:txBody>
       </p:sp>
@@ -1215,38 +1210,37 @@
           <a:p>
             <a:pPr lvl="0"/>
             <a:r>
-              <a:rPr lang="fr-FR" dirty="0" smtClean="0"/>
+              <a:rPr lang="fr-FR" dirty="0"/>
               <a:t>Cliquez pour modifier les styles du texte du masque</a:t>
             </a:r>
           </a:p>
           <a:p>
             <a:pPr lvl="1"/>
             <a:r>
-              <a:rPr lang="fr-FR" dirty="0" smtClean="0"/>
+              <a:rPr lang="fr-FR" dirty="0"/>
               <a:t>Deuxième niveau</a:t>
             </a:r>
           </a:p>
           <a:p>
             <a:pPr lvl="2"/>
             <a:r>
-              <a:rPr lang="fr-FR" dirty="0" smtClean="0"/>
+              <a:rPr lang="fr-FR" dirty="0"/>
               <a:t>Troisième niveau</a:t>
             </a:r>
           </a:p>
           <a:p>
             <a:pPr lvl="3"/>
             <a:r>
-              <a:rPr lang="fr-FR" dirty="0" smtClean="0"/>
+              <a:rPr lang="fr-FR" dirty="0"/>
               <a:t>Quatrième niveau</a:t>
             </a:r>
           </a:p>
           <a:p>
             <a:pPr lvl="4"/>
             <a:r>
-              <a:rPr lang="fr-FR" dirty="0" smtClean="0"/>
+              <a:rPr lang="fr-FR" dirty="0"/>
               <a:t>Cinquième niveau</a:t>
             </a:r>
-            <a:endParaRPr lang="fr-FR" dirty="0"/>
           </a:p>
         </p:txBody>
       </p:sp>
@@ -1296,10 +1290,9 @@
           <a:lstStyle/>
           <a:p>
             <a:r>
-              <a:rPr lang="fr-FR" smtClean="0"/>
+              <a:rPr lang="fr-FR"/>
               <a:t>Cliquez pour modifier le style du titre</a:t>
             </a:r>
-            <a:endParaRPr lang="fr-FR"/>
           </a:p>
         </p:txBody>
       </p:sp>
@@ -1353,38 +1346,37 @@
           <a:p>
             <a:pPr lvl="0"/>
             <a:r>
-              <a:rPr lang="fr-FR" smtClean="0"/>
+              <a:rPr lang="fr-FR"/>
               <a:t>Cliquez pour modifier les styles du texte du masque</a:t>
             </a:r>
           </a:p>
           <a:p>
             <a:pPr lvl="1"/>
             <a:r>
-              <a:rPr lang="fr-FR" smtClean="0"/>
+              <a:rPr lang="fr-FR"/>
               <a:t>Deuxième niveau</a:t>
             </a:r>
           </a:p>
           <a:p>
             <a:pPr lvl="2"/>
             <a:r>
-              <a:rPr lang="fr-FR" smtClean="0"/>
+              <a:rPr lang="fr-FR"/>
               <a:t>Troisième niveau</a:t>
             </a:r>
           </a:p>
           <a:p>
             <a:pPr lvl="3"/>
             <a:r>
-              <a:rPr lang="fr-FR" smtClean="0"/>
+              <a:rPr lang="fr-FR"/>
               <a:t>Quatrième niveau</a:t>
             </a:r>
           </a:p>
           <a:p>
             <a:pPr lvl="4"/>
             <a:r>
-              <a:rPr lang="fr-FR" smtClean="0"/>
+              <a:rPr lang="fr-FR"/>
               <a:t>Cinquième niveau</a:t>
             </a:r>
-            <a:endParaRPr lang="fr-FR"/>
           </a:p>
         </p:txBody>
       </p:sp>
@@ -1438,38 +1430,37 @@
           <a:p>
             <a:pPr lvl="0"/>
             <a:r>
-              <a:rPr lang="fr-FR" smtClean="0"/>
+              <a:rPr lang="fr-FR"/>
               <a:t>Cliquez pour modifier les styles du texte du masque</a:t>
             </a:r>
           </a:p>
           <a:p>
             <a:pPr lvl="1"/>
             <a:r>
-              <a:rPr lang="fr-FR" smtClean="0"/>
+              <a:rPr lang="fr-FR"/>
               <a:t>Deuxième niveau</a:t>
             </a:r>
           </a:p>
           <a:p>
             <a:pPr lvl="2"/>
             <a:r>
-              <a:rPr lang="fr-FR" smtClean="0"/>
+              <a:rPr lang="fr-FR"/>
               <a:t>Troisième niveau</a:t>
             </a:r>
           </a:p>
           <a:p>
             <a:pPr lvl="3"/>
             <a:r>
-              <a:rPr lang="fr-FR" smtClean="0"/>
+              <a:rPr lang="fr-FR"/>
               <a:t>Quatrième niveau</a:t>
             </a:r>
           </a:p>
           <a:p>
             <a:pPr lvl="4"/>
             <a:r>
-              <a:rPr lang="fr-FR" smtClean="0"/>
+              <a:rPr lang="fr-FR"/>
               <a:t>Cinquième niveau</a:t>
             </a:r>
-            <a:endParaRPr lang="fr-FR"/>
           </a:p>
         </p:txBody>
       </p:sp>
@@ -1528,10 +1519,9 @@
           </a:lstStyle>
           <a:p>
             <a:r>
-              <a:rPr lang="fr-FR" smtClean="0"/>
+              <a:rPr lang="fr-FR"/>
               <a:t>Cliquez pour modifier le style du titre</a:t>
             </a:r>
-            <a:endParaRPr lang="fr-FR"/>
           </a:p>
         </p:txBody>
       </p:sp>
@@ -1594,7 +1584,7 @@
           <a:p>
             <a:pPr lvl="0"/>
             <a:r>
-              <a:rPr lang="fr-FR" smtClean="0"/>
+              <a:rPr lang="fr-FR"/>
               <a:t>Cliquez pour modifier les styles du texte du masque</a:t>
             </a:r>
           </a:p>
@@ -1650,38 +1640,37 @@
           <a:p>
             <a:pPr lvl="0"/>
             <a:r>
-              <a:rPr lang="fr-FR" smtClean="0"/>
+              <a:rPr lang="fr-FR"/>
               <a:t>Cliquez pour modifier les styles du texte du masque</a:t>
             </a:r>
           </a:p>
           <a:p>
             <a:pPr lvl="1"/>
             <a:r>
-              <a:rPr lang="fr-FR" smtClean="0"/>
+              <a:rPr lang="fr-FR"/>
               <a:t>Deuxième niveau</a:t>
             </a:r>
           </a:p>
           <a:p>
             <a:pPr lvl="2"/>
             <a:r>
-              <a:rPr lang="fr-FR" smtClean="0"/>
+              <a:rPr lang="fr-FR"/>
               <a:t>Troisième niveau</a:t>
             </a:r>
           </a:p>
           <a:p>
             <a:pPr lvl="3"/>
             <a:r>
-              <a:rPr lang="fr-FR" smtClean="0"/>
+              <a:rPr lang="fr-FR"/>
               <a:t>Quatrième niveau</a:t>
             </a:r>
           </a:p>
           <a:p>
             <a:pPr lvl="4"/>
             <a:r>
-              <a:rPr lang="fr-FR" smtClean="0"/>
+              <a:rPr lang="fr-FR"/>
               <a:t>Cinquième niveau</a:t>
             </a:r>
-            <a:endParaRPr lang="fr-FR"/>
           </a:p>
         </p:txBody>
       </p:sp>
@@ -1744,7 +1733,7 @@
           <a:p>
             <a:pPr lvl="0"/>
             <a:r>
-              <a:rPr lang="fr-FR" smtClean="0"/>
+              <a:rPr lang="fr-FR"/>
               <a:t>Cliquez pour modifier les styles du texte du masque</a:t>
             </a:r>
           </a:p>
@@ -1800,38 +1789,37 @@
           <a:p>
             <a:pPr lvl="0"/>
             <a:r>
-              <a:rPr lang="fr-FR" smtClean="0"/>
+              <a:rPr lang="fr-FR"/>
               <a:t>Cliquez pour modifier les styles du texte du masque</a:t>
             </a:r>
           </a:p>
           <a:p>
             <a:pPr lvl="1"/>
             <a:r>
-              <a:rPr lang="fr-FR" smtClean="0"/>
+              <a:rPr lang="fr-FR"/>
               <a:t>Deuxième niveau</a:t>
             </a:r>
           </a:p>
           <a:p>
             <a:pPr lvl="2"/>
             <a:r>
-              <a:rPr lang="fr-FR" smtClean="0"/>
+              <a:rPr lang="fr-FR"/>
               <a:t>Troisième niveau</a:t>
             </a:r>
           </a:p>
           <a:p>
             <a:pPr lvl="3"/>
             <a:r>
-              <a:rPr lang="fr-FR" smtClean="0"/>
+              <a:rPr lang="fr-FR"/>
               <a:t>Quatrième niveau</a:t>
             </a:r>
           </a:p>
           <a:p>
             <a:pPr lvl="4"/>
             <a:r>
-              <a:rPr lang="fr-FR" smtClean="0"/>
+              <a:rPr lang="fr-FR"/>
               <a:t>Cinquième niveau</a:t>
             </a:r>
-            <a:endParaRPr lang="fr-FR"/>
           </a:p>
         </p:txBody>
       </p:sp>
@@ -1881,10 +1869,9 @@
           <a:lstStyle/>
           <a:p>
             <a:r>
-              <a:rPr lang="fr-FR" smtClean="0"/>
+              <a:rPr lang="fr-FR"/>
               <a:t>Cliquez pour modifier le style du titre</a:t>
             </a:r>
-            <a:endParaRPr lang="fr-FR"/>
           </a:p>
         </p:txBody>
       </p:sp>
@@ -1973,10 +1960,9 @@
           </a:lstStyle>
           <a:p>
             <a:r>
-              <a:rPr lang="fr-FR" smtClean="0"/>
+              <a:rPr lang="fr-FR"/>
               <a:t>Cliquez pour modifier le style du titre</a:t>
             </a:r>
-            <a:endParaRPr lang="fr-FR"/>
           </a:p>
         </p:txBody>
       </p:sp>
@@ -2030,38 +2016,37 @@
           <a:p>
             <a:pPr lvl="0"/>
             <a:r>
-              <a:rPr lang="fr-FR" smtClean="0"/>
+              <a:rPr lang="fr-FR"/>
               <a:t>Cliquez pour modifier les styles du texte du masque</a:t>
             </a:r>
           </a:p>
           <a:p>
             <a:pPr lvl="1"/>
             <a:r>
-              <a:rPr lang="fr-FR" smtClean="0"/>
+              <a:rPr lang="fr-FR"/>
               <a:t>Deuxième niveau</a:t>
             </a:r>
           </a:p>
           <a:p>
             <a:pPr lvl="2"/>
             <a:r>
-              <a:rPr lang="fr-FR" smtClean="0"/>
+              <a:rPr lang="fr-FR"/>
               <a:t>Troisième niveau</a:t>
             </a:r>
           </a:p>
           <a:p>
             <a:pPr lvl="3"/>
             <a:r>
-              <a:rPr lang="fr-FR" smtClean="0"/>
+              <a:rPr lang="fr-FR"/>
               <a:t>Quatrième niveau</a:t>
             </a:r>
           </a:p>
           <a:p>
             <a:pPr lvl="4"/>
             <a:r>
-              <a:rPr lang="fr-FR" smtClean="0"/>
+              <a:rPr lang="fr-FR"/>
               <a:t>Cinquième niveau</a:t>
             </a:r>
-            <a:endParaRPr lang="fr-FR"/>
           </a:p>
         </p:txBody>
       </p:sp>
@@ -2124,7 +2109,7 @@
           <a:p>
             <a:pPr lvl="0"/>
             <a:r>
-              <a:rPr lang="fr-FR" smtClean="0"/>
+              <a:rPr lang="fr-FR"/>
               <a:t>Cliquez pour modifier les styles du texte du masque</a:t>
             </a:r>
           </a:p>
@@ -2185,10 +2170,9 @@
           </a:lstStyle>
           <a:p>
             <a:r>
-              <a:rPr lang="fr-FR" smtClean="0"/>
+              <a:rPr lang="fr-FR"/>
               <a:t>Cliquez pour modifier le style du titre</a:t>
             </a:r>
-            <a:endParaRPr lang="fr-FR"/>
           </a:p>
         </p:txBody>
       </p:sp>
@@ -2250,7 +2234,7 @@
           </a:lstStyle>
           <a:p>
             <a:pPr lvl="0"/>
-            <a:endParaRPr lang="fr-FR" noProof="0" smtClean="0"/>
+            <a:endParaRPr lang="fr-FR" noProof="0"/>
           </a:p>
         </p:txBody>
       </p:sp>
@@ -2313,7 +2297,7 @@
           <a:p>
             <a:pPr lvl="0"/>
             <a:r>
-              <a:rPr lang="fr-FR" smtClean="0"/>
+              <a:rPr lang="fr-FR"/>
               <a:t>Cliquez pour modifier les styles du texte du masque</a:t>
             </a:r>
           </a:p>
@@ -2365,10 +2349,9 @@
           <a:lstStyle/>
           <a:p>
             <a:r>
-              <a:rPr lang="fr-FR" smtClean="0"/>
+              <a:rPr lang="fr-FR"/>
               <a:t>Cliquez pour modifier le style du titre</a:t>
             </a:r>
-            <a:endParaRPr lang="fr-FR"/>
           </a:p>
         </p:txBody>
       </p:sp>
@@ -2389,38 +2372,37 @@
           <a:p>
             <a:pPr lvl="0"/>
             <a:r>
-              <a:rPr lang="fr-FR" smtClean="0"/>
+              <a:rPr lang="fr-FR"/>
               <a:t>Cliquez pour modifier les styles du texte du masque</a:t>
             </a:r>
           </a:p>
           <a:p>
             <a:pPr lvl="1"/>
             <a:r>
-              <a:rPr lang="fr-FR" smtClean="0"/>
+              <a:rPr lang="fr-FR"/>
               <a:t>Deuxième niveau</a:t>
             </a:r>
           </a:p>
           <a:p>
             <a:pPr lvl="2"/>
             <a:r>
-              <a:rPr lang="fr-FR" smtClean="0"/>
+              <a:rPr lang="fr-FR"/>
               <a:t>Troisième niveau</a:t>
             </a:r>
           </a:p>
           <a:p>
             <a:pPr lvl="3"/>
             <a:r>
-              <a:rPr lang="fr-FR" smtClean="0"/>
+              <a:rPr lang="fr-FR"/>
               <a:t>Quatrième niveau</a:t>
             </a:r>
           </a:p>
           <a:p>
             <a:pPr lvl="4"/>
             <a:r>
-              <a:rPr lang="fr-FR" smtClean="0"/>
+              <a:rPr lang="fr-FR"/>
               <a:t>Cinquième niveau</a:t>
             </a:r>
-            <a:endParaRPr lang="fr-FR"/>
           </a:p>
         </p:txBody>
       </p:sp>
@@ -2601,7 +2583,7 @@
             <a:pPr eaLnBrk="1" hangingPunct="1">
               <a:defRPr/>
             </a:pPr>
-            <a:endParaRPr lang="fr-FR" altLang="fr-FR" smtClean="0"/>
+            <a:endParaRPr lang="fr-FR" altLang="fr-FR"/>
           </a:p>
         </p:txBody>
       </p:sp>
@@ -2755,7 +2737,7 @@
               <a:defRPr/>
             </a:pPr>
             <a:r>
-              <a:rPr lang="fr-FR" sz="1200" dirty="0" smtClean="0"/>
+              <a:rPr lang="fr-FR" sz="1200" dirty="0"/>
               <a:t>Page </a:t>
             </a:r>
             <a:fld id="{E218E9B1-FD08-4C80-902E-210BA2967D0D}" type="slidenum">
@@ -2768,7 +2750,7 @@
               </a:pPr>
               <a:t>‹N°›</a:t>
             </a:fld>
-            <a:endParaRPr lang="fr-FR" dirty="0" smtClean="0">
+            <a:endParaRPr lang="fr-FR" dirty="0">
               <a:latin typeface="Times New Roman" pitchFamily="18" charset="0"/>
             </a:endParaRPr>
           </a:p>
@@ -2924,10 +2906,10 @@
               <a:defRPr/>
             </a:pPr>
             <a:r>
-              <a:rPr lang="fr-FR" sz="1600" dirty="0" smtClean="0"/>
+              <a:rPr lang="fr-FR" sz="1600" dirty="0"/>
               <a:t>Python</a:t>
             </a:r>
-            <a:endParaRPr lang="fr-FR" dirty="0" smtClean="0">
+            <a:endParaRPr lang="fr-FR" dirty="0">
               <a:latin typeface="Times New Roman" pitchFamily="18" charset="0"/>
             </a:endParaRPr>
           </a:p>
@@ -2985,7 +2967,7 @@
           <a:p>
             <a:pPr lvl="0"/>
             <a:r>
-              <a:rPr lang="fr-FR" altLang="fr-FR" smtClean="0"/>
+              <a:rPr lang="fr-FR" altLang="fr-FR"/>
               <a:t>Cliquez pour modifier le style du titre du masque</a:t>
             </a:r>
           </a:p>
@@ -3043,35 +3025,35 @@
           <a:p>
             <a:pPr lvl="0"/>
             <a:r>
-              <a:rPr lang="fr-FR" altLang="fr-FR" smtClean="0"/>
+              <a:rPr lang="fr-FR" altLang="fr-FR"/>
               <a:t>Cliquez pour modifier les styles du texte du masque</a:t>
             </a:r>
           </a:p>
           <a:p>
             <a:pPr lvl="1"/>
             <a:r>
-              <a:rPr lang="fr-FR" altLang="fr-FR" smtClean="0"/>
+              <a:rPr lang="fr-FR" altLang="fr-FR"/>
               <a:t>Deuxième niveau</a:t>
             </a:r>
           </a:p>
           <a:p>
             <a:pPr lvl="2"/>
             <a:r>
-              <a:rPr lang="fr-FR" altLang="fr-FR" smtClean="0"/>
+              <a:rPr lang="fr-FR" altLang="fr-FR"/>
               <a:t>Troisième niveau</a:t>
             </a:r>
           </a:p>
           <a:p>
             <a:pPr lvl="3"/>
             <a:r>
-              <a:rPr lang="fr-FR" altLang="fr-FR" smtClean="0"/>
+              <a:rPr lang="fr-FR" altLang="fr-FR"/>
               <a:t>Quatrième niveau</a:t>
             </a:r>
           </a:p>
           <a:p>
             <a:pPr lvl="4"/>
             <a:r>
-              <a:rPr lang="fr-FR" altLang="fr-FR" smtClean="0"/>
+              <a:rPr lang="fr-FR" altLang="fr-FR"/>
               <a:t>Cinquième niveau</a:t>
             </a:r>
           </a:p>
@@ -3227,10 +3209,10 @@
               <a:defRPr/>
             </a:pPr>
             <a:r>
-              <a:rPr lang="fr-FR" sz="1200" smtClean="0"/>
+              <a:rPr lang="fr-FR" sz="1200"/>
               <a:t>© Cyril Vincent Conseil</a:t>
             </a:r>
-            <a:endParaRPr lang="fr-FR" smtClean="0">
+            <a:endParaRPr lang="fr-FR">
               <a:latin typeface="Times New Roman" pitchFamily="18" charset="0"/>
             </a:endParaRPr>
           </a:p>
@@ -3712,18 +3694,18 @@
           <a:p>
             <a:pPr eaLnBrk="1" hangingPunct="1"/>
             <a:r>
-              <a:rPr lang="fr-FR" altLang="fr-FR" smtClean="0"/>
+              <a:rPr lang="fr-FR" altLang="fr-FR"/>
               <a:t>Chapitre 10</a:t>
             </a:r>
-            <a:endParaRPr lang="fr-FR" altLang="fr-FR" dirty="0" smtClean="0"/>
+            <a:endParaRPr lang="fr-FR" altLang="fr-FR" dirty="0"/>
           </a:p>
           <a:p>
             <a:pPr eaLnBrk="1" hangingPunct="1"/>
             <a:r>
-              <a:rPr lang="fr-FR" altLang="fr-FR" dirty="0" err="1" smtClean="0"/>
+              <a:rPr lang="fr-FR" altLang="fr-FR" dirty="0" err="1"/>
               <a:t>Scipy</a:t>
             </a:r>
-            <a:endParaRPr lang="fr-FR" altLang="fr-FR" dirty="0" smtClean="0"/>
+            <a:endParaRPr lang="fr-FR" altLang="fr-FR" dirty="0"/>
           </a:p>
         </p:txBody>
       </p:sp>
@@ -3793,13 +3775,6 @@
   <p:clrMapOvr>
     <a:masterClrMapping/>
   </p:clrMapOvr>
-  <p:timing>
-    <p:tnLst>
-      <p:par>
-        <p:cTn id="1" dur="indefinite" restart="never" nodeType="tmRoot"/>
-      </p:par>
-    </p:tnLst>
-  </p:timing>
 </p:sld>
 </file>
 
@@ -3836,10 +3811,9 @@
           <a:lstStyle/>
           <a:p>
             <a:r>
-              <a:rPr lang="fr-FR" dirty="0" smtClean="0"/>
+              <a:rPr lang="fr-FR" dirty="0"/>
               <a:t>La régression n’est pas tous les temps linéaire</a:t>
             </a:r>
-            <a:endParaRPr lang="fr-FR" dirty="0"/>
           </a:p>
         </p:txBody>
       </p:sp>
@@ -3859,10 +3833,9 @@
           <a:lstStyle/>
           <a:p>
             <a:r>
-              <a:rPr lang="fr-FR" dirty="0" smtClean="0"/>
+              <a:rPr lang="fr-FR" dirty="0"/>
               <a:t>Dans cette exemple il est impossible de faire filer une droite</a:t>
             </a:r>
-            <a:endParaRPr lang="fr-FR" dirty="0"/>
           </a:p>
         </p:txBody>
       </p:sp>
@@ -3953,10 +3926,9 @@
           <a:lstStyle/>
           <a:p>
             <a:r>
-              <a:rPr lang="fr-FR" dirty="0" smtClean="0"/>
+              <a:rPr lang="fr-FR" dirty="0"/>
               <a:t>Machine Learning</a:t>
             </a:r>
-            <a:endParaRPr lang="fr-FR" dirty="0"/>
           </a:p>
         </p:txBody>
       </p:sp>
@@ -4049,10 +4021,9 @@
           <a:lstStyle/>
           <a:p>
             <a:r>
-              <a:rPr lang="fr-FR" dirty="0" smtClean="0"/>
+              <a:rPr lang="fr-FR" dirty="0"/>
               <a:t>No Free Lunch</a:t>
             </a:r>
-            <a:endParaRPr lang="fr-FR" dirty="0"/>
           </a:p>
         </p:txBody>
       </p:sp>
@@ -4073,15 +4044,7 @@
           <a:p>
             <a:r>
               <a:rPr lang="fr-FR" dirty="0"/>
-              <a:t>Le théorème du "No Free Lunch" </a:t>
-            </a:r>
-            <a:r>
-              <a:rPr lang="fr-FR" dirty="0" smtClean="0"/>
-              <a:t>est </a:t>
-            </a:r>
-            <a:r>
-              <a:rPr lang="fr-FR" dirty="0"/>
-              <a:t>la raison pour laquelle on va encore avoir besoin des data </a:t>
+              <a:t>Le théorème du "No Free Lunch" est la raison pour laquelle on va encore avoir besoin des data </a:t>
             </a:r>
             <a:r>
               <a:rPr lang="fr-FR" dirty="0" err="1"/>
@@ -4089,38 +4052,21 @@
             </a:r>
             <a:r>
               <a:rPr lang="fr-FR" dirty="0"/>
-              <a:t> pour un bon bout de temps </a:t>
-            </a:r>
-            <a:r>
-              <a:rPr lang="fr-FR" dirty="0" smtClean="0"/>
-              <a:t>!</a:t>
-            </a:r>
-            <a:endParaRPr lang="fr-FR" dirty="0"/>
+              <a:t> pour un bon bout de temps !</a:t>
+            </a:r>
           </a:p>
           <a:p>
             <a:pPr lvl="1"/>
             <a:r>
-              <a:rPr lang="fr-FR" dirty="0" smtClean="0"/>
-              <a:t>En </a:t>
-            </a:r>
-            <a:r>
-              <a:rPr lang="fr-FR" dirty="0"/>
-              <a:t>essence, ce théorème statue qu'aucun modèle et algorithme ne fonctionne bien pour tous les </a:t>
-            </a:r>
-            <a:r>
-              <a:rPr lang="fr-FR" dirty="0" smtClean="0"/>
-              <a:t>problèmes</a:t>
+              <a:rPr lang="fr-FR" dirty="0"/>
+              <a:t>En essence, ce théorème statue qu'aucun modèle et algorithme ne fonctionne bien pour tous les problèmes</a:t>
             </a:r>
           </a:p>
           <a:p>
             <a:pPr lvl="1"/>
             <a:r>
-              <a:rPr lang="fr-FR" dirty="0" smtClean="0"/>
-              <a:t>En </a:t>
-            </a:r>
-            <a:r>
-              <a:rPr lang="fr-FR" dirty="0"/>
-              <a:t>d'autres termes, si un algorithme de machine </a:t>
+              <a:rPr lang="fr-FR" dirty="0"/>
+              <a:t>En d'autres termes, si un algorithme de machine </a:t>
             </a:r>
             <a:r>
               <a:rPr lang="fr-FR" dirty="0" err="1"/>
@@ -4134,10 +4080,9 @@
           <a:p>
             <a:pPr lvl="1"/>
             <a:r>
-              <a:rPr lang="fr-FR" dirty="0" smtClean="0"/>
+              <a:rPr lang="fr-FR" dirty="0"/>
               <a:t>.</a:t>
             </a:r>
-            <a:endParaRPr lang="fr-FR" dirty="0"/>
           </a:p>
         </p:txBody>
       </p:sp>
@@ -4187,10 +4132,9 @@
           <a:lstStyle/>
           <a:p>
             <a:r>
-              <a:rPr lang="fr-FR" dirty="0" smtClean="0"/>
+              <a:rPr lang="fr-FR" dirty="0"/>
               <a:t>Erreur</a:t>
             </a:r>
-            <a:endParaRPr lang="fr-FR" dirty="0"/>
           </a:p>
         </p:txBody>
       </p:sp>
@@ -4210,17 +4154,16 @@
           <a:lstStyle/>
           <a:p>
             <a:r>
-              <a:rPr lang="fr-FR" dirty="0" smtClean="0"/>
+              <a:rPr lang="fr-FR" dirty="0"/>
               <a:t>L’erreur (ou le risque) est l’écart entre la données et le modèle</a:t>
             </a:r>
           </a:p>
           <a:p>
             <a:pPr lvl="1"/>
             <a:r>
-              <a:rPr lang="fr-FR" dirty="0" smtClean="0"/>
+              <a:rPr lang="fr-FR" dirty="0"/>
               <a:t>Risque réduit à gauche, important à droite</a:t>
             </a:r>
-            <a:endParaRPr lang="fr-FR" dirty="0"/>
           </a:p>
         </p:txBody>
       </p:sp>
@@ -4311,10 +4254,9 @@
           <a:lstStyle/>
           <a:p>
             <a:r>
-              <a:rPr lang="fr-FR" dirty="0" smtClean="0"/>
+              <a:rPr lang="fr-FR" dirty="0"/>
               <a:t>Erreur quadratique</a:t>
             </a:r>
-            <a:endParaRPr lang="fr-FR" dirty="0"/>
           </a:p>
         </p:txBody>
       </p:sp>
@@ -4335,77 +4277,43 @@
           <a:p>
             <a:r>
               <a:rPr lang="fr-FR" dirty="0"/>
-              <a:t>La distance la plus utilisée pour mesurer cet éloignement est l’erreur </a:t>
-            </a:r>
-            <a:r>
-              <a:rPr lang="fr-FR" dirty="0" smtClean="0"/>
-              <a:t>quadratique</a:t>
-            </a:r>
-            <a:endParaRPr lang="fr-FR" dirty="0"/>
+              <a:t>La distance la plus utilisée pour mesurer cet éloignement est l’erreur quadratique</a:t>
+            </a:r>
           </a:p>
           <a:p>
             <a:pPr lvl="1"/>
             <a:r>
-              <a:rPr lang="fr-FR" dirty="0" smtClean="0"/>
-              <a:t>la </a:t>
-            </a:r>
-            <a:r>
-              <a:rPr lang="fr-FR" dirty="0"/>
-              <a:t>distance euclidienne entre un point et le </a:t>
-            </a:r>
-            <a:r>
-              <a:rPr lang="fr-FR" dirty="0" smtClean="0"/>
-              <a:t>modèle</a:t>
-            </a:r>
-            <a:endParaRPr lang="fr-FR" dirty="0"/>
-          </a:p>
-          <a:p>
-            <a:r>
-              <a:rPr lang="fr-FR" dirty="0"/>
-              <a:t>Souvent, on ne peut pas calculer directement l’erreur mais on va utiliser une approximation à partir des données qui sont notre seule </a:t>
-            </a:r>
-            <a:r>
-              <a:rPr lang="fr-FR" dirty="0" smtClean="0"/>
-              <a:t>ressource</a:t>
+              <a:rPr lang="fr-FR" dirty="0"/>
+              <a:t>la distance euclidienne entre un point et le modèle</a:t>
+            </a:r>
+          </a:p>
+          <a:p>
+            <a:r>
+              <a:rPr lang="fr-FR" dirty="0"/>
+              <a:t>Souvent, on ne peut pas calculer directement l’erreur mais on va utiliser une approximation à partir des données qui sont notre seule ressource</a:t>
             </a:r>
           </a:p>
           <a:p>
             <a:pPr lvl="1"/>
             <a:r>
-              <a:rPr lang="fr-FR" dirty="0" smtClean="0"/>
-              <a:t>On </a:t>
-            </a:r>
-            <a:r>
-              <a:rPr lang="fr-FR" dirty="0"/>
-              <a:t>va ainsi sommer sur toutes nos données d’exemples l’erreur effectuée du </a:t>
-            </a:r>
-            <a:r>
-              <a:rPr lang="fr-FR" dirty="0" smtClean="0"/>
-              <a:t>modèle</a:t>
+              <a:rPr lang="fr-FR" dirty="0"/>
+              <a:t>On va ainsi sommer sur toutes nos données d’exemples l’erreur effectuée du modèle</a:t>
             </a:r>
           </a:p>
           <a:p>
             <a:pPr lvl="1"/>
             <a:r>
-              <a:rPr lang="fr-FR" dirty="0" smtClean="0"/>
-              <a:t>On </a:t>
-            </a:r>
-            <a:r>
-              <a:rPr lang="fr-FR" dirty="0"/>
-              <a:t>appelle cette erreur le risque </a:t>
-            </a:r>
-            <a:r>
-              <a:rPr lang="fr-FR" dirty="0" smtClean="0"/>
-              <a:t>empirique</a:t>
-            </a:r>
-          </a:p>
-          <a:p>
-            <a:r>
-              <a:rPr lang="fr-FR" dirty="0" smtClean="0"/>
+              <a:rPr lang="fr-FR" dirty="0"/>
+              <a:t>On appelle cette erreur le risque empirique</a:t>
+            </a:r>
+          </a:p>
+          <a:p>
+            <a:r>
+              <a:rPr lang="fr-FR" dirty="0"/>
               <a:t>Le but étant de minimiser la moyenne de </a:t>
             </a:r>
             <a:r>
-              <a:rPr lang="fr-FR" smtClean="0"/>
+              <a:rPr lang="fr-FR"/>
               <a:t>l’erreur quadratique</a:t>
             </a:r>
             <a:endParaRPr lang="fr-FR" dirty="0"/>
@@ -4458,10 +4366,9 @@
           <a:lstStyle/>
           <a:p>
             <a:r>
-              <a:rPr lang="fr-FR" dirty="0" smtClean="0"/>
+              <a:rPr lang="fr-FR" dirty="0"/>
               <a:t>Problème non modélisables</a:t>
             </a:r>
-            <a:endParaRPr lang="fr-FR" dirty="0"/>
           </a:p>
         </p:txBody>
       </p:sp>
@@ -4481,47 +4388,47 @@
           <a:lstStyle/>
           <a:p>
             <a:r>
-              <a:rPr lang="fr-FR" dirty="0" smtClean="0"/>
+              <a:rPr lang="fr-FR" dirty="0"/>
               <a:t>Certains problèmes ne sont pas modélisable par une régression</a:t>
             </a:r>
           </a:p>
           <a:p>
             <a:pPr lvl="1"/>
             <a:r>
-              <a:rPr lang="fr-FR" dirty="0" smtClean="0"/>
+              <a:rPr lang="fr-FR" dirty="0"/>
               <a:t>Non rationnel : Pi, nombres premiers</a:t>
             </a:r>
           </a:p>
           <a:p>
             <a:pPr lvl="1"/>
             <a:r>
-              <a:rPr lang="fr-FR" dirty="0" smtClean="0"/>
+              <a:rPr lang="fr-FR" dirty="0"/>
               <a:t>Fortement dispersé : </a:t>
             </a:r>
             <a:r>
-              <a:rPr lang="fr-FR" dirty="0" err="1" smtClean="0"/>
+              <a:rPr lang="fr-FR" dirty="0" err="1"/>
               <a:t>Random</a:t>
             </a:r>
-            <a:endParaRPr lang="fr-FR" dirty="0" smtClean="0"/>
+            <a:endParaRPr lang="fr-FR" dirty="0"/>
           </a:p>
           <a:p>
             <a:pPr lvl="1"/>
             <a:r>
-              <a:rPr lang="fr-FR" dirty="0" smtClean="0"/>
+              <a:rPr lang="fr-FR" dirty="0"/>
               <a:t>Ici </a:t>
             </a:r>
             <a:r>
-              <a:rPr lang="fr-FR" dirty="0" err="1" smtClean="0"/>
+              <a:rPr lang="fr-FR" dirty="0" err="1"/>
               <a:t>random.rand</a:t>
             </a:r>
             <a:r>
-              <a:rPr lang="fr-FR" dirty="0" smtClean="0"/>
+              <a:rPr lang="fr-FR" dirty="0"/>
               <a:t>(30) et les 40000 premiers nombres premiers sur une grille 200 x 200</a:t>
             </a:r>
           </a:p>
           <a:p>
             <a:pPr lvl="1"/>
-            <a:endParaRPr lang="fr-FR" dirty="0" smtClean="0"/>
+            <a:endParaRPr lang="fr-FR" dirty="0"/>
           </a:p>
         </p:txBody>
       </p:sp>
@@ -4653,7 +4560,7 @@
           <a:lstStyle/>
           <a:p>
             <a:r>
-              <a:rPr lang="fr-FR" dirty="0" err="1" smtClean="0"/>
+              <a:rPr lang="fr-FR" dirty="0" err="1"/>
               <a:t>SciPy</a:t>
             </a:r>
             <a:endParaRPr lang="fr-FR" dirty="0"/>
@@ -4676,58 +4583,53 @@
           <a:lstStyle/>
           <a:p>
             <a:r>
-              <a:rPr lang="fr-FR" dirty="0" err="1" smtClean="0"/>
+              <a:rPr lang="fr-FR" dirty="0" err="1"/>
               <a:t>SciPy</a:t>
             </a:r>
             <a:r>
-              <a:rPr lang="fr-FR" dirty="0" smtClean="0"/>
+              <a:rPr lang="fr-FR" dirty="0"/>
               <a:t> contient des modules avancés dans plusieurs domaines</a:t>
             </a:r>
           </a:p>
           <a:p>
             <a:pPr lvl="1"/>
             <a:r>
-              <a:rPr lang="fr-FR" dirty="0" smtClean="0"/>
+              <a:rPr lang="fr-FR" dirty="0"/>
               <a:t>Basé sur </a:t>
             </a:r>
             <a:r>
-              <a:rPr lang="fr-FR" dirty="0" err="1" smtClean="0"/>
+              <a:rPr lang="fr-FR" dirty="0" err="1"/>
               <a:t>NumPy</a:t>
             </a:r>
-            <a:endParaRPr lang="fr-FR" dirty="0" smtClean="0"/>
-          </a:p>
-          <a:p>
-            <a:r>
-              <a:rPr lang="fr-FR" dirty="0" err="1" smtClean="0"/>
+            <a:endParaRPr lang="fr-FR" dirty="0"/>
+          </a:p>
+          <a:p>
+            <a:r>
+              <a:rPr lang="fr-FR" dirty="0" err="1"/>
               <a:t>Scipy.stats</a:t>
             </a:r>
-            <a:endParaRPr lang="fr-FR" dirty="0" smtClean="0"/>
+            <a:endParaRPr lang="fr-FR" dirty="0"/>
           </a:p>
           <a:p>
             <a:pPr lvl="1"/>
             <a:r>
-              <a:rPr lang="fr-FR" dirty="0" smtClean="0"/>
-              <a:t>Outils de </a:t>
-            </a:r>
-            <a:r>
-              <a:rPr lang="fr-FR" dirty="0" smtClean="0"/>
-              <a:t>statistiques</a:t>
-            </a:r>
-          </a:p>
-          <a:p>
-            <a:r>
-              <a:rPr lang="fr-FR" dirty="0" err="1" smtClean="0"/>
+              <a:rPr lang="fr-FR" dirty="0"/>
+              <a:t>Outils de statistiques</a:t>
+            </a:r>
+          </a:p>
+          <a:p>
+            <a:r>
+              <a:rPr lang="fr-FR" dirty="0" err="1"/>
               <a:t>Scipy.integrate</a:t>
             </a:r>
-            <a:endParaRPr lang="fr-FR" dirty="0" smtClean="0"/>
+            <a:endParaRPr lang="fr-FR" dirty="0"/>
           </a:p>
           <a:p>
             <a:pPr lvl="1"/>
             <a:r>
-              <a:rPr lang="fr-FR" dirty="0" smtClean="0"/>
+              <a:rPr lang="fr-FR" dirty="0"/>
               <a:t>Calcul des intégrales</a:t>
             </a:r>
-            <a:endParaRPr lang="fr-FR" dirty="0" smtClean="0"/>
           </a:p>
         </p:txBody>
       </p:sp>
@@ -4765,13 +4667,6 @@
   <p:clrMapOvr>
     <a:masterClrMapping/>
   </p:clrMapOvr>
-  <p:timing>
-    <p:tnLst>
-      <p:par>
-        <p:cTn id="1" dur="indefinite" restart="never" nodeType="tmRoot"/>
-      </p:par>
-    </p:tnLst>
-  </p:timing>
 </p:sld>
 </file>
 
@@ -4808,10 +4703,9 @@
           <a:lstStyle/>
           <a:p>
             <a:r>
-              <a:rPr lang="fr-FR" dirty="0" smtClean="0"/>
+              <a:rPr lang="fr-FR" dirty="0"/>
               <a:t>Régression linéaire</a:t>
             </a:r>
-            <a:endParaRPr lang="fr-FR" dirty="0"/>
           </a:p>
         </p:txBody>
       </p:sp>
@@ -4831,22 +4725,22 @@
           <a:lstStyle/>
           <a:p>
             <a:r>
-              <a:rPr lang="fr-FR" dirty="0" err="1" smtClean="0"/>
+              <a:rPr lang="fr-FR" dirty="0" err="1"/>
               <a:t>Linregress</a:t>
             </a:r>
-            <a:endParaRPr lang="fr-FR" dirty="0" smtClean="0"/>
+            <a:endParaRPr lang="fr-FR" dirty="0"/>
           </a:p>
           <a:p>
             <a:pPr lvl="1"/>
             <a:r>
-              <a:rPr lang="fr-FR" dirty="0" smtClean="0"/>
+              <a:rPr lang="fr-FR" dirty="0"/>
               <a:t>Calcul la </a:t>
             </a:r>
             <a:r>
-              <a:rPr lang="fr-FR" dirty="0" err="1" smtClean="0"/>
+              <a:rPr lang="fr-FR" dirty="0" err="1"/>
               <a:t>regression</a:t>
             </a:r>
-            <a:endParaRPr lang="fr-FR" dirty="0" smtClean="0"/>
+            <a:endParaRPr lang="fr-FR" dirty="0"/>
           </a:p>
           <a:p>
             <a:pPr lvl="1"/>
@@ -4903,49 +4797,48 @@
               <a:t>x,y</a:t>
             </a:r>
             <a:r>
-              <a:rPr lang="fr-FR" dirty="0" smtClean="0"/>
+              <a:rPr lang="fr-FR" dirty="0"/>
               <a:t>)</a:t>
             </a:r>
           </a:p>
           <a:p>
             <a:pPr lvl="1"/>
             <a:r>
-              <a:rPr lang="fr-FR" dirty="0" smtClean="0"/>
+              <a:rPr lang="fr-FR" dirty="0"/>
               <a:t>Avec </a:t>
             </a:r>
             <a:r>
-              <a:rPr lang="fr-FR" dirty="0" err="1" smtClean="0"/>
+              <a:rPr lang="fr-FR" dirty="0" err="1"/>
               <a:t>slope</a:t>
             </a:r>
             <a:r>
-              <a:rPr lang="fr-FR" dirty="0" smtClean="0"/>
+              <a:rPr lang="fr-FR" dirty="0"/>
               <a:t> = a de </a:t>
             </a:r>
             <a:r>
-              <a:rPr lang="fr-FR" dirty="0" err="1" smtClean="0"/>
+              <a:rPr lang="fr-FR" dirty="0" err="1"/>
               <a:t>ax+b</a:t>
             </a:r>
             <a:r>
-              <a:rPr lang="fr-FR" dirty="0" smtClean="0"/>
+              <a:rPr lang="fr-FR" dirty="0"/>
               <a:t>, </a:t>
             </a:r>
             <a:r>
-              <a:rPr lang="fr-FR" dirty="0" err="1" smtClean="0"/>
+              <a:rPr lang="fr-FR" dirty="0" err="1"/>
               <a:t>intercept</a:t>
             </a:r>
             <a:r>
-              <a:rPr lang="fr-FR" dirty="0" smtClean="0"/>
+              <a:rPr lang="fr-FR" dirty="0"/>
               <a:t> = b, </a:t>
             </a:r>
             <a:r>
-              <a:rPr lang="fr-FR" dirty="0" err="1" smtClean="0"/>
+              <a:rPr lang="fr-FR" dirty="0" err="1"/>
               <a:t>r_value</a:t>
             </a:r>
             <a:r>
-              <a:rPr lang="fr-FR" dirty="0" smtClean="0"/>
+              <a:rPr lang="fr-FR" dirty="0"/>
               <a:t> le coefficient de corrélation</a:t>
             </a:r>
-            <a:endParaRPr lang="fr-FR" dirty="0"/>
           </a:p>
         </p:txBody>
       </p:sp>
@@ -4959,13 +4852,6 @@
   <p:clrMapOvr>
     <a:masterClrMapping/>
   </p:clrMapOvr>
-  <p:timing>
-    <p:tnLst>
-      <p:par>
-        <p:cTn id="1" dur="indefinite" restart="never" nodeType="tmRoot"/>
-      </p:par>
-    </p:tnLst>
-  </p:timing>
 </p:sld>
 </file>
 
@@ -5002,10 +4888,9 @@
           <a:lstStyle/>
           <a:p>
             <a:r>
-              <a:rPr lang="fr-FR" dirty="0" smtClean="0"/>
+              <a:rPr lang="fr-FR" dirty="0"/>
               <a:t>Interprétation des résultats</a:t>
             </a:r>
-            <a:endParaRPr lang="fr-FR" dirty="0"/>
           </a:p>
         </p:txBody>
       </p:sp>
@@ -5025,36 +4910,35 @@
           <a:lstStyle/>
           <a:p>
             <a:r>
-              <a:rPr lang="fr-FR" dirty="0" smtClean="0"/>
+              <a:rPr lang="fr-FR" dirty="0"/>
               <a:t>Avec </a:t>
             </a:r>
             <a:r>
-              <a:rPr lang="fr-FR" dirty="0" err="1" smtClean="0"/>
+              <a:rPr lang="fr-FR" dirty="0" err="1"/>
               <a:t>SciPy</a:t>
             </a:r>
             <a:r>
-              <a:rPr lang="fr-FR" dirty="0" smtClean="0"/>
+              <a:rPr lang="fr-FR" dirty="0"/>
               <a:t> nous obtenons</a:t>
             </a:r>
           </a:p>
           <a:p>
             <a:pPr lvl="1"/>
             <a:r>
-              <a:rPr lang="fr-FR" dirty="0" smtClean="0"/>
+              <a:rPr lang="fr-FR" dirty="0"/>
               <a:t>Loyer = 41.Surface – 283</a:t>
             </a:r>
           </a:p>
           <a:p>
             <a:pPr lvl="1"/>
             <a:r>
-              <a:rPr lang="fr-FR" dirty="0" smtClean="0"/>
+              <a:rPr lang="fr-FR" dirty="0"/>
               <a:t>Corrélation = 90.7% (TB)</a:t>
             </a:r>
+          </a:p>
+          <a:p>
+            <a:pPr lvl="1"/>
             <a:endParaRPr lang="fr-FR" dirty="0"/>
-          </a:p>
-          <a:p>
-            <a:pPr lvl="1"/>
-            <a:endParaRPr lang="fr-FR" dirty="0" smtClean="0"/>
           </a:p>
           <a:p>
             <a:pPr lvl="1"/>
@@ -5096,13 +4980,6 @@
   <p:clrMapOvr>
     <a:masterClrMapping/>
   </p:clrMapOvr>
-  <p:timing>
-    <p:tnLst>
-      <p:par>
-        <p:cTn id="1" dur="indefinite" restart="never" nodeType="tmRoot"/>
-      </p:par>
-    </p:tnLst>
-  </p:timing>
 </p:sld>
 </file>
 
@@ -5139,10 +5016,9 @@
           <a:lstStyle/>
           <a:p>
             <a:r>
-              <a:rPr lang="fr-FR" dirty="0" smtClean="0"/>
+              <a:rPr lang="fr-FR" dirty="0"/>
               <a:t>Les différents types de régression</a:t>
             </a:r>
-            <a:endParaRPr lang="fr-FR" dirty="0"/>
           </a:p>
         </p:txBody>
       </p:sp>
@@ -5162,7 +5038,7 @@
           <a:lstStyle/>
           <a:p>
             <a:r>
-              <a:rPr lang="fr-FR" dirty="0" smtClean="0"/>
+              <a:rPr lang="fr-FR" dirty="0"/>
               <a:t>Linéaire</a:t>
             </a:r>
           </a:p>
@@ -5170,32 +5046,27 @@
             <a:pPr lvl="1"/>
             <a:r>
               <a:rPr lang="fr-FR" dirty="0"/>
-              <a:t>f</a:t>
-            </a:r>
-            <a:r>
-              <a:rPr lang="fr-FR" dirty="0" smtClean="0"/>
-              <a:t> = </a:t>
-            </a:r>
-            <a:r>
-              <a:rPr lang="fr-FR" dirty="0" err="1" smtClean="0"/>
+              <a:t>f = </a:t>
+            </a:r>
+            <a:r>
+              <a:rPr lang="fr-FR" dirty="0" err="1"/>
               <a:t>ax</a:t>
             </a:r>
             <a:r>
-              <a:rPr lang="fr-FR" dirty="0" smtClean="0"/>
+              <a:rPr lang="fr-FR" dirty="0"/>
               <a:t>  + b</a:t>
             </a:r>
           </a:p>
           <a:p>
             <a:pPr lvl="1"/>
             <a:r>
-              <a:rPr lang="fr-FR" dirty="0" smtClean="0"/>
+              <a:rPr lang="fr-FR" dirty="0"/>
               <a:t>Moyenne est un cas particulier : f = mx</a:t>
             </a:r>
-            <a:endParaRPr lang="fr-FR" dirty="0"/>
-          </a:p>
-          <a:p>
-            <a:r>
-              <a:rPr lang="fr-FR" dirty="0" smtClean="0"/>
+          </a:p>
+          <a:p>
+            <a:r>
+              <a:rPr lang="fr-FR" dirty="0"/>
               <a:t>Second degré (binomiale)</a:t>
             </a:r>
           </a:p>
@@ -5203,32 +5074,28 @@
             <a:pPr lvl="1"/>
             <a:r>
               <a:rPr lang="fr-FR" dirty="0"/>
-              <a:t>f</a:t>
-            </a:r>
-            <a:r>
-              <a:rPr lang="fr-FR" dirty="0" smtClean="0"/>
-              <a:t> = ax² + </a:t>
-            </a:r>
-            <a:r>
-              <a:rPr lang="fr-FR" dirty="0" err="1" smtClean="0"/>
+              <a:t>f = ax² + </a:t>
+            </a:r>
+            <a:r>
+              <a:rPr lang="fr-FR" dirty="0" err="1"/>
               <a:t>bx</a:t>
             </a:r>
             <a:r>
-              <a:rPr lang="fr-FR" dirty="0" smtClean="0"/>
+              <a:rPr lang="fr-FR" dirty="0"/>
               <a:t> + c</a:t>
             </a:r>
           </a:p>
           <a:p>
             <a:r>
-              <a:rPr lang="fr-FR" dirty="0" smtClean="0"/>
+              <a:rPr lang="fr-FR" dirty="0"/>
               <a:t>Troisième degré (</a:t>
             </a:r>
             <a:r>
-              <a:rPr lang="fr-FR" dirty="0" err="1" smtClean="0"/>
+              <a:rPr lang="fr-FR" dirty="0" err="1"/>
               <a:t>trinomiale</a:t>
             </a:r>
             <a:r>
-              <a:rPr lang="fr-FR" dirty="0" smtClean="0"/>
+              <a:rPr lang="fr-FR" dirty="0"/>
               <a:t>)</a:t>
             </a:r>
           </a:p>
@@ -5236,11 +5103,7 @@
             <a:pPr lvl="1"/>
             <a:r>
               <a:rPr lang="fr-FR" dirty="0"/>
-              <a:t>f</a:t>
-            </a:r>
-            <a:r>
-              <a:rPr lang="fr-FR" dirty="0" smtClean="0"/>
-              <a:t> = ax3 + bx² + cx + d</a:t>
+              <a:t>f = ax3 + bx² + cx + d</a:t>
             </a:r>
           </a:p>
         </p:txBody>
@@ -5339,18 +5202,17 @@
           <a:lstStyle/>
           <a:p>
             <a:r>
-              <a:rPr lang="fr-FR" dirty="0" smtClean="0"/>
+              <a:rPr lang="fr-FR" dirty="0"/>
               <a:t>1</a:t>
             </a:r>
             <a:r>
-              <a:rPr lang="fr-FR" baseline="30000" dirty="0" smtClean="0"/>
+              <a:rPr lang="fr-FR" baseline="30000" dirty="0"/>
               <a:t>ère</a:t>
             </a:r>
             <a:r>
-              <a:rPr lang="fr-FR" dirty="0" smtClean="0"/>
+              <a:rPr lang="fr-FR" dirty="0"/>
               <a:t> étape</a:t>
             </a:r>
-            <a:endParaRPr lang="fr-FR" dirty="0"/>
           </a:p>
         </p:txBody>
       </p:sp>
@@ -5370,33 +5232,33 @@
           <a:lstStyle/>
           <a:p>
             <a:r>
-              <a:rPr lang="fr-FR" dirty="0" smtClean="0"/>
+              <a:rPr lang="fr-FR" dirty="0"/>
               <a:t>Trouver les données</a:t>
             </a:r>
           </a:p>
           <a:p>
             <a:pPr lvl="1"/>
             <a:r>
-              <a:rPr lang="fr-FR" dirty="0" smtClean="0"/>
+              <a:rPr lang="fr-FR" dirty="0"/>
               <a:t>Mise à disposition d’un data </a:t>
             </a:r>
             <a:r>
-              <a:rPr lang="fr-FR" dirty="0" err="1" smtClean="0"/>
+              <a:rPr lang="fr-FR" dirty="0" err="1"/>
               <a:t>lake</a:t>
             </a:r>
             <a:r>
-              <a:rPr lang="fr-FR" dirty="0" smtClean="0"/>
+              <a:rPr lang="fr-FR" dirty="0"/>
               <a:t> ou d’un data </a:t>
             </a:r>
             <a:r>
-              <a:rPr lang="fr-FR" dirty="0" err="1" smtClean="0"/>
+              <a:rPr lang="fr-FR" dirty="0" err="1"/>
               <a:t>mart</a:t>
             </a:r>
-            <a:endParaRPr lang="fr-FR" dirty="0" smtClean="0"/>
-          </a:p>
-          <a:p>
-            <a:r>
-              <a:rPr lang="fr-FR" dirty="0" smtClean="0"/>
+            <a:endParaRPr lang="fr-FR" dirty="0"/>
+          </a:p>
+          <a:p>
+            <a:r>
+              <a:rPr lang="fr-FR" dirty="0"/>
               <a:t>Le jeu de données utilisé s’appel le Dataset</a:t>
             </a:r>
           </a:p>
@@ -5448,10 +5310,9 @@
           <a:lstStyle/>
           <a:p>
             <a:r>
-              <a:rPr lang="fr-FR" dirty="0" smtClean="0"/>
+              <a:rPr lang="fr-FR" dirty="0"/>
               <a:t>Les différents types de régression</a:t>
             </a:r>
-            <a:endParaRPr lang="fr-FR" dirty="0"/>
           </a:p>
         </p:txBody>
       </p:sp>
@@ -5471,7 +5332,7 @@
           <a:lstStyle/>
           <a:p>
             <a:r>
-              <a:rPr lang="fr-FR" dirty="0" smtClean="0"/>
+              <a:rPr lang="fr-FR" dirty="0"/>
               <a:t>Polynomiale</a:t>
             </a:r>
           </a:p>
@@ -5479,21 +5340,17 @@
             <a:pPr lvl="1"/>
             <a:r>
               <a:rPr lang="fr-FR" dirty="0"/>
-              <a:t>f</a:t>
-            </a:r>
-            <a:r>
-              <a:rPr lang="fr-FR" dirty="0" smtClean="0"/>
-              <a:t> = </a:t>
-            </a:r>
-            <a:r>
-              <a:rPr lang="fr-FR" dirty="0" err="1" smtClean="0"/>
+              <a:t>f = </a:t>
+            </a:r>
+            <a:r>
+              <a:rPr lang="fr-FR" dirty="0" err="1"/>
               <a:t>polynome</a:t>
             </a:r>
-            <a:endParaRPr lang="fr-FR" dirty="0" smtClean="0"/>
-          </a:p>
-          <a:p>
-            <a:r>
-              <a:rPr lang="fr-FR" dirty="0" smtClean="0"/>
+            <a:endParaRPr lang="fr-FR" dirty="0"/>
+          </a:p>
+          <a:p>
+            <a:r>
+              <a:rPr lang="fr-FR" dirty="0"/>
               <a:t>Exponentielle</a:t>
             </a:r>
           </a:p>
@@ -5501,24 +5358,20 @@
             <a:pPr lvl="1"/>
             <a:r>
               <a:rPr lang="fr-FR" dirty="0"/>
-              <a:t>f</a:t>
-            </a:r>
-            <a:r>
-              <a:rPr lang="fr-FR" dirty="0" smtClean="0"/>
-              <a:t> = </a:t>
-            </a:r>
-            <a:r>
-              <a:rPr lang="fr-FR" dirty="0" err="1" smtClean="0"/>
+              <a:t>f = </a:t>
+            </a:r>
+            <a:r>
+              <a:rPr lang="fr-FR" dirty="0" err="1"/>
               <a:t>exp</a:t>
             </a:r>
             <a:r>
-              <a:rPr lang="fr-FR" dirty="0" smtClean="0"/>
+              <a:rPr lang="fr-FR" dirty="0"/>
               <a:t>(x)</a:t>
             </a:r>
           </a:p>
           <a:p>
             <a:r>
-              <a:rPr lang="fr-FR" dirty="0" smtClean="0"/>
+              <a:rPr lang="fr-FR" dirty="0"/>
               <a:t>Logarithmique</a:t>
             </a:r>
           </a:p>
@@ -5526,23 +5379,19 @@
             <a:pPr lvl="1"/>
             <a:r>
               <a:rPr lang="fr-FR" dirty="0"/>
-              <a:t>f</a:t>
-            </a:r>
-            <a:r>
-              <a:rPr lang="fr-FR" dirty="0" smtClean="0"/>
-              <a:t> = log(x)</a:t>
-            </a:r>
-          </a:p>
-          <a:p>
-            <a:r>
-              <a:rPr lang="fr-FR" dirty="0" smtClean="0"/>
+              <a:t>f = log(x)</a:t>
+            </a:r>
+          </a:p>
+          <a:p>
+            <a:r>
+              <a:rPr lang="fr-FR" dirty="0"/>
               <a:t>Asymptotique</a:t>
             </a:r>
           </a:p>
           <a:p>
             <a:pPr lvl="1"/>
             <a:r>
-              <a:rPr lang="fr-FR" dirty="0" smtClean="0"/>
+              <a:rPr lang="fr-FR" dirty="0"/>
               <a:t>F = 1/x</a:t>
             </a:r>
           </a:p>
@@ -5618,10 +5467,9 @@
           <a:lstStyle/>
           <a:p>
             <a:r>
-              <a:rPr lang="fr-FR" dirty="0" smtClean="0"/>
+              <a:rPr lang="fr-FR" dirty="0"/>
               <a:t>Les différents types de régression</a:t>
             </a:r>
-            <a:endParaRPr lang="fr-FR" dirty="0"/>
           </a:p>
         </p:txBody>
       </p:sp>
@@ -5641,29 +5489,25 @@
           <a:lstStyle/>
           <a:p>
             <a:r>
-              <a:rPr lang="fr-FR" dirty="0" err="1" smtClean="0"/>
+              <a:rPr lang="fr-FR" dirty="0" err="1"/>
               <a:t>Sinusoidale</a:t>
             </a:r>
-            <a:endParaRPr lang="fr-FR" dirty="0" smtClean="0"/>
+            <a:endParaRPr lang="fr-FR" dirty="0"/>
           </a:p>
           <a:p>
             <a:pPr lvl="1"/>
             <a:r>
               <a:rPr lang="fr-FR" dirty="0"/>
-              <a:t>f</a:t>
-            </a:r>
-            <a:r>
-              <a:rPr lang="fr-FR" dirty="0" smtClean="0"/>
-              <a:t> = a sin(x / b)</a:t>
-            </a:r>
-          </a:p>
-          <a:p>
-            <a:r>
-              <a:rPr lang="fr-FR" dirty="0" err="1" smtClean="0"/>
+              <a:t>f = a sin(x / b)</a:t>
+            </a:r>
+          </a:p>
+          <a:p>
+            <a:r>
+              <a:rPr lang="fr-FR" dirty="0" err="1"/>
               <a:t>Sinusoidale</a:t>
             </a:r>
             <a:r>
-              <a:rPr lang="fr-FR" dirty="0" smtClean="0"/>
+              <a:rPr lang="fr-FR" dirty="0"/>
               <a:t> amortie</a:t>
             </a:r>
           </a:p>
@@ -5674,17 +5518,17 @@
               <a:t>f = a sin(x / b) </a:t>
             </a:r>
             <a:r>
-              <a:rPr lang="fr-FR" dirty="0" err="1" smtClean="0"/>
+              <a:rPr lang="fr-FR" dirty="0" err="1"/>
               <a:t>exp</a:t>
             </a:r>
             <a:r>
-              <a:rPr lang="fr-FR" dirty="0" smtClean="0"/>
+              <a:rPr lang="fr-FR" dirty="0"/>
               <a:t>(-x / c)</a:t>
             </a:r>
           </a:p>
           <a:p>
             <a:pPr lvl="1"/>
-            <a:endParaRPr lang="fr-FR" dirty="0" smtClean="0"/>
+            <a:endParaRPr lang="fr-FR" dirty="0"/>
           </a:p>
         </p:txBody>
       </p:sp>
@@ -5782,10 +5626,9 @@
           <a:lstStyle/>
           <a:p>
             <a:r>
-              <a:rPr lang="fr-FR" dirty="0" smtClean="0"/>
+              <a:rPr lang="fr-FR" dirty="0"/>
               <a:t>Régression logistique</a:t>
             </a:r>
-            <a:endParaRPr lang="fr-FR" dirty="0"/>
           </a:p>
         </p:txBody>
       </p:sp>
@@ -5805,39 +5648,38 @@
           <a:lstStyle/>
           <a:p>
             <a:r>
-              <a:rPr lang="fr-FR" dirty="0" smtClean="0"/>
+              <a:rPr lang="fr-FR" dirty="0"/>
               <a:t>Fonction de type S</a:t>
             </a:r>
           </a:p>
           <a:p>
             <a:r>
-              <a:rPr lang="fr-FR" dirty="0" smtClean="0"/>
+              <a:rPr lang="fr-FR" dirty="0"/>
               <a:t>Modèle </a:t>
             </a:r>
             <a:r>
-              <a:rPr lang="fr-FR" dirty="0" err="1" smtClean="0"/>
+              <a:rPr lang="fr-FR" dirty="0" err="1"/>
               <a:t>logit</a:t>
             </a:r>
-            <a:endParaRPr lang="fr-FR" dirty="0" smtClean="0"/>
-          </a:p>
-          <a:p>
-            <a:r>
-              <a:rPr lang="fr-FR" dirty="0" err="1" smtClean="0"/>
+            <a:endParaRPr lang="fr-FR" dirty="0"/>
+          </a:p>
+          <a:p>
+            <a:r>
+              <a:rPr lang="fr-FR" dirty="0" err="1"/>
               <a:t>Cf</a:t>
             </a:r>
             <a:r>
-              <a:rPr lang="fr-FR" dirty="0" smtClean="0"/>
+              <a:rPr lang="fr-FR" dirty="0"/>
               <a:t> </a:t>
             </a:r>
             <a:r>
-              <a:rPr lang="fr-FR" dirty="0" err="1" smtClean="0"/>
+              <a:rPr lang="fr-FR" dirty="0" err="1"/>
               <a:t>sklearn</a:t>
             </a:r>
             <a:r>
-              <a:rPr lang="fr-FR" dirty="0" smtClean="0"/>
+              <a:rPr lang="fr-FR" dirty="0"/>
               <a:t> et MLP</a:t>
             </a:r>
-            <a:endParaRPr lang="fr-FR" dirty="0"/>
           </a:p>
         </p:txBody>
       </p:sp>
@@ -5928,7 +5770,7 @@
           <a:lstStyle/>
           <a:p>
             <a:r>
-              <a:rPr lang="fr-FR" dirty="0" err="1" smtClean="0"/>
+              <a:rPr lang="fr-FR" dirty="0" err="1"/>
               <a:t>Curvefit</a:t>
             </a:r>
             <a:endParaRPr lang="fr-FR" dirty="0"/>
@@ -5951,22 +5793,22 @@
           <a:lstStyle/>
           <a:p>
             <a:r>
-              <a:rPr lang="fr-FR" dirty="0" err="1" smtClean="0"/>
+              <a:rPr lang="fr-FR" dirty="0" err="1"/>
               <a:t>Curvefit</a:t>
             </a:r>
             <a:r>
-              <a:rPr lang="fr-FR" dirty="0" smtClean="0"/>
+              <a:rPr lang="fr-FR" dirty="0"/>
               <a:t> permet d’effectuer une régression sur n’importe quelle fonction</a:t>
             </a:r>
           </a:p>
           <a:p>
             <a:pPr lvl="1"/>
             <a:r>
-              <a:rPr lang="fr-FR" dirty="0" smtClean="0"/>
+              <a:rPr lang="fr-FR" dirty="0"/>
               <a:t>Uniquement à partir de </a:t>
             </a:r>
             <a:r>
-              <a:rPr lang="fr-FR" smtClean="0"/>
+              <a:rPr lang="fr-FR"/>
               <a:t>np.array</a:t>
             </a:r>
             <a:endParaRPr lang="fr-FR" dirty="0"/>
@@ -6019,7 +5861,7 @@
           <a:lstStyle/>
           <a:p>
             <a:r>
-              <a:rPr lang="fr-FR" dirty="0" err="1" smtClean="0"/>
+              <a:rPr lang="fr-FR" dirty="0" err="1"/>
               <a:t>Scipy.Integrate</a:t>
             </a:r>
             <a:endParaRPr lang="fr-FR" dirty="0"/>
@@ -6042,23 +5884,23 @@
           <a:lstStyle/>
           <a:p>
             <a:r>
-              <a:rPr lang="en-US" sz="2000" dirty="0" err="1" smtClean="0"/>
+              <a:rPr lang="en-US" sz="2000" dirty="0" err="1"/>
               <a:t>Calcul</a:t>
             </a:r>
             <a:r>
-              <a:rPr lang="en-US" sz="2000" dirty="0" smtClean="0"/>
+              <a:rPr lang="en-US" sz="2000" dirty="0"/>
               <a:t> des integrals avec </a:t>
             </a:r>
             <a:r>
-              <a:rPr lang="en-US" sz="2000" dirty="0" err="1" smtClean="0"/>
+              <a:rPr lang="en-US" sz="2000" dirty="0" err="1"/>
               <a:t>plusieurs</a:t>
             </a:r>
             <a:r>
-              <a:rPr lang="en-US" sz="2000" dirty="0" smtClean="0"/>
+              <a:rPr lang="en-US" sz="2000" dirty="0"/>
               <a:t> </a:t>
             </a:r>
             <a:r>
-              <a:rPr lang="en-US" sz="2000" dirty="0" err="1" smtClean="0"/>
+              <a:rPr lang="en-US" sz="2000" dirty="0" err="1"/>
               <a:t>algorithmes</a:t>
             </a:r>
             <a:endParaRPr lang="en-US" sz="2000" dirty="0"/>
@@ -6311,10 +6153,9 @@
           <a:lstStyle/>
           <a:p>
             <a:r>
-              <a:rPr lang="fr-FR" dirty="0" smtClean="0"/>
+              <a:rPr lang="fr-FR" dirty="0"/>
               <a:t>Quad</a:t>
             </a:r>
-            <a:endParaRPr lang="fr-FR" dirty="0"/>
           </a:p>
         </p:txBody>
       </p:sp>
@@ -6334,16 +6175,12 @@
           <a:lstStyle/>
           <a:p>
             <a:r>
-              <a:rPr lang="fr-FR" dirty="0" err="1" smtClean="0"/>
+              <a:rPr lang="fr-FR" dirty="0" err="1"/>
               <a:t>result</a:t>
             </a:r>
             <a:r>
-              <a:rPr lang="fr-FR" dirty="0" smtClean="0"/>
-              <a:t> </a:t>
-            </a:r>
-            <a:r>
-              <a:rPr lang="fr-FR" dirty="0"/>
-              <a:t>= </a:t>
+              <a:rPr lang="fr-FR" dirty="0"/>
+              <a:t> = </a:t>
             </a:r>
             <a:r>
               <a:rPr lang="fr-FR" dirty="0" err="1"/>
@@ -6366,29 +6203,21 @@
               <a:t>np.pi</a:t>
             </a:r>
             <a:r>
-              <a:rPr lang="fr-FR" dirty="0" smtClean="0"/>
+              <a:rPr lang="fr-FR" dirty="0"/>
               <a:t>)</a:t>
             </a:r>
           </a:p>
           <a:p>
             <a:pPr lvl="1"/>
             <a:r>
-              <a:rPr lang="fr-FR" dirty="0" smtClean="0"/>
-              <a:t>(</a:t>
-            </a:r>
-            <a:r>
-              <a:rPr lang="fr-FR" dirty="0"/>
-              <a:t>2.0, 2.220446049250313e-14</a:t>
-            </a:r>
-            <a:r>
-              <a:rPr lang="fr-FR" dirty="0" smtClean="0"/>
-              <a:t>)</a:t>
+              <a:rPr lang="fr-FR" dirty="0"/>
+              <a:t>(2.0, 2.220446049250313e-14)</a:t>
             </a:r>
           </a:p>
           <a:p>
             <a:pPr lvl="1"/>
             <a:r>
-              <a:rPr lang="fr-FR" dirty="0" smtClean="0"/>
+              <a:rPr lang="fr-FR" dirty="0"/>
               <a:t>2 </a:t>
             </a:r>
             <a:r>
@@ -6428,23 +6257,19 @@
               <a:t>margin</a:t>
             </a:r>
             <a:r>
-              <a:rPr lang="fr-FR" dirty="0" smtClean="0"/>
+              <a:rPr lang="fr-FR" dirty="0"/>
               <a:t>!</a:t>
             </a:r>
           </a:p>
           <a:p>
             <a:pPr lvl="1"/>
             <a:r>
-              <a:rPr lang="fr-FR" dirty="0" err="1" smtClean="0"/>
+              <a:rPr lang="fr-FR" dirty="0" err="1"/>
               <a:t>result</a:t>
             </a:r>
             <a:r>
-              <a:rPr lang="fr-FR" dirty="0" smtClean="0"/>
-              <a:t> </a:t>
-            </a:r>
-            <a:r>
-              <a:rPr lang="fr-FR" dirty="0"/>
-              <a:t>= </a:t>
+              <a:rPr lang="fr-FR" dirty="0"/>
+              <a:t> = </a:t>
             </a:r>
             <a:r>
               <a:rPr lang="fr-FR" dirty="0" err="1"/>
@@ -6460,39 +6285,20 @@
             </a:r>
             <a:r>
               <a:rPr lang="fr-FR" dirty="0"/>
-              <a:t>, -np.inf, +np.inf</a:t>
-            </a:r>
-            <a:r>
-              <a:rPr lang="fr-FR" dirty="0" smtClean="0"/>
-              <a:t>)</a:t>
+              <a:t>, -np.inf, +np.inf)</a:t>
             </a:r>
           </a:p>
           <a:p>
             <a:pPr lvl="1"/>
             <a:r>
-              <a:rPr lang="fr-FR" dirty="0" smtClean="0"/>
-              <a:t>(</a:t>
-            </a:r>
-            <a:r>
-              <a:rPr lang="fr-FR" dirty="0"/>
-              <a:t>0.0, 0.0) </a:t>
-            </a:r>
-            <a:r>
-              <a:rPr lang="fr-FR" dirty="0" err="1" smtClean="0"/>
-              <a:t>Integral</a:t>
-            </a:r>
-            <a:r>
-              <a:rPr lang="fr-FR" dirty="0" smtClean="0"/>
-              <a:t> </a:t>
-            </a:r>
-            <a:r>
-              <a:rPr lang="fr-FR" dirty="0" err="1"/>
-              <a:t>does</a:t>
-            </a:r>
-            <a:r>
-              <a:rPr lang="fr-FR" dirty="0"/>
-              <a:t> not converge</a:t>
-            </a:r>
+              <a:rPr lang="fr-FR" dirty="0"/>
+              <a:t>(0.0, </a:t>
+            </a:r>
+            <a:r>
+              <a:rPr lang="fr-FR"/>
+              <a:t>0.0)</a:t>
+            </a:r>
+            <a:endParaRPr lang="fr-FR" dirty="0"/>
           </a:p>
         </p:txBody>
       </p:sp>
@@ -6802,10 +6608,9 @@
           <a:lstStyle/>
           <a:p>
             <a:r>
-              <a:rPr lang="fr-FR" dirty="0" smtClean="0"/>
+              <a:rPr lang="fr-FR" dirty="0"/>
               <a:t>But</a:t>
             </a:r>
-            <a:endParaRPr lang="fr-FR" dirty="0"/>
           </a:p>
         </p:txBody>
       </p:sp>
@@ -6826,50 +6631,21 @@
           <a:p>
             <a:r>
               <a:rPr lang="fr-FR" dirty="0"/>
-              <a:t>En </a:t>
-            </a:r>
-            <a:r>
-              <a:rPr lang="fr-FR" dirty="0" smtClean="0"/>
-              <a:t>data </a:t>
-            </a:r>
-            <a:r>
-              <a:rPr lang="fr-FR" dirty="0"/>
-              <a:t>science plus généralement, l'objectif est de trouver un modèle </a:t>
-            </a:r>
-            <a:r>
-              <a:rPr lang="fr-FR" dirty="0" smtClean="0"/>
-              <a:t>du </a:t>
-            </a:r>
-            <a:r>
-              <a:rPr lang="fr-FR" dirty="0"/>
-              <a:t>phénomène à l'origine des </a:t>
-            </a:r>
-            <a:r>
-              <a:rPr lang="fr-FR" dirty="0" smtClean="0"/>
-              <a:t>données</a:t>
-            </a:r>
-          </a:p>
-          <a:p>
-            <a:r>
-              <a:rPr lang="fr-FR" dirty="0" smtClean="0"/>
-              <a:t>C'est </a:t>
-            </a:r>
-            <a:r>
-              <a:rPr lang="fr-FR" dirty="0"/>
-              <a:t>à dire qu'on considère que chaque donnée observée est l'expression d'une variable aléatoire générée par une distribution de </a:t>
-            </a:r>
-            <a:r>
-              <a:rPr lang="fr-FR" dirty="0" smtClean="0"/>
-              <a:t>probabilité</a:t>
+              <a:t>En data science plus généralement, l'objectif est de trouver un modèle du phénomène à l'origine des données</a:t>
+            </a:r>
+          </a:p>
+          <a:p>
+            <a:r>
+              <a:rPr lang="fr-FR" dirty="0"/>
+              <a:t>C'est à dire qu'on considère que chaque donnée observée est l'expression d'une variable aléatoire générée par une distribution de probabilité</a:t>
             </a:r>
           </a:p>
           <a:p>
             <a:pPr lvl="1"/>
             <a:r>
-              <a:rPr lang="fr-FR" dirty="0" smtClean="0"/>
+              <a:rPr lang="fr-FR" dirty="0"/>
               <a:t>Par exemple les sondages</a:t>
             </a:r>
-            <a:endParaRPr lang="fr-FR" dirty="0"/>
           </a:p>
         </p:txBody>
       </p:sp>
@@ -6919,10 +6695,9 @@
           <a:lstStyle/>
           <a:p>
             <a:r>
-              <a:rPr lang="fr-FR" dirty="0" smtClean="0"/>
+              <a:rPr lang="fr-FR" dirty="0"/>
               <a:t>Exemple</a:t>
             </a:r>
-            <a:endParaRPr lang="fr-FR" dirty="0"/>
           </a:p>
         </p:txBody>
       </p:sp>
@@ -6942,26 +6717,14 @@
           <a:lstStyle/>
           <a:p>
             <a:r>
-              <a:rPr lang="fr-FR" dirty="0" smtClean="0"/>
-              <a:t>Imaginez </a:t>
-            </a:r>
-            <a:r>
-              <a:rPr lang="fr-FR" dirty="0"/>
-              <a:t>que vous voulez savoir si vous payez trop cher votre </a:t>
-            </a:r>
-            <a:r>
-              <a:rPr lang="fr-FR" dirty="0" smtClean="0"/>
-              <a:t>loyer</a:t>
-            </a:r>
-          </a:p>
-          <a:p>
-            <a:r>
-              <a:rPr lang="fr-FR" dirty="0" smtClean="0"/>
-              <a:t>Vous </a:t>
-            </a:r>
-            <a:r>
-              <a:rPr lang="fr-FR" dirty="0"/>
-              <a:t>avez récupéré sur un site de location une trentaine de prix des locations disponibles, ainsi que la surface associée</a:t>
+              <a:rPr lang="fr-FR" dirty="0"/>
+              <a:t>Imaginez que vous voulez savoir si vous payez trop cher votre loyer</a:t>
+            </a:r>
+          </a:p>
+          <a:p>
+            <a:r>
+              <a:rPr lang="fr-FR" dirty="0"/>
+              <a:t>Vous avez récupéré sur un site de location une trentaine de prix des locations disponibles, ainsi que la surface associée</a:t>
             </a:r>
           </a:p>
         </p:txBody>
@@ -7036,10 +6799,9 @@
           <a:lstStyle/>
           <a:p>
             <a:r>
-              <a:rPr lang="fr-FR" dirty="0" smtClean="0"/>
+              <a:rPr lang="fr-FR" dirty="0"/>
               <a:t>Graphique</a:t>
             </a:r>
-            <a:endParaRPr lang="fr-FR" dirty="0"/>
           </a:p>
         </p:txBody>
       </p:sp>
@@ -7059,10 +6821,9 @@
           <a:lstStyle/>
           <a:p>
             <a:r>
-              <a:rPr lang="fr-FR" dirty="0" smtClean="0"/>
+              <a:rPr lang="fr-FR" dirty="0"/>
               <a:t>Surface / Loyer</a:t>
             </a:r>
-            <a:endParaRPr lang="fr-FR" dirty="0"/>
           </a:p>
         </p:txBody>
       </p:sp>
@@ -7153,10 +6914,9 @@
           <a:lstStyle/>
           <a:p>
             <a:r>
-              <a:rPr lang="fr-FR" dirty="0" smtClean="0"/>
+              <a:rPr lang="fr-FR" dirty="0"/>
               <a:t>Régression</a:t>
             </a:r>
-            <a:endParaRPr lang="fr-FR" dirty="0"/>
           </a:p>
         </p:txBody>
       </p:sp>
@@ -7176,49 +6936,49 @@
           <a:lstStyle/>
           <a:p>
             <a:r>
-              <a:rPr lang="fr-FR" dirty="0" smtClean="0"/>
+              <a:rPr lang="fr-FR" dirty="0"/>
               <a:t>Une régression est une formule mathématique qui étudie des données réelle d’une manière proche de la réalité mais simplifiée</a:t>
             </a:r>
           </a:p>
           <a:p>
             <a:r>
-              <a:rPr lang="fr-FR" dirty="0" smtClean="0"/>
+              <a:rPr lang="fr-FR" dirty="0"/>
               <a:t>Différent types</a:t>
             </a:r>
           </a:p>
           <a:p>
             <a:pPr lvl="1"/>
             <a:r>
-              <a:rPr lang="fr-FR" dirty="0" smtClean="0"/>
+              <a:rPr lang="fr-FR" dirty="0"/>
               <a:t>Linéaire</a:t>
             </a:r>
           </a:p>
           <a:p>
             <a:pPr lvl="1"/>
             <a:r>
-              <a:rPr lang="fr-FR" dirty="0" smtClean="0"/>
+              <a:rPr lang="fr-FR" dirty="0"/>
               <a:t>Second degré</a:t>
             </a:r>
           </a:p>
           <a:p>
             <a:pPr lvl="1"/>
             <a:r>
-              <a:rPr lang="fr-FR" dirty="0" smtClean="0"/>
+              <a:rPr lang="fr-FR" dirty="0"/>
               <a:t>Polynomiale</a:t>
             </a:r>
           </a:p>
           <a:p>
             <a:pPr lvl="1"/>
             <a:r>
-              <a:rPr lang="fr-FR" dirty="0" err="1" smtClean="0"/>
+              <a:rPr lang="fr-FR" dirty="0" err="1"/>
               <a:t>Sinusoidale</a:t>
             </a:r>
-            <a:endParaRPr lang="fr-FR" dirty="0" smtClean="0"/>
+            <a:endParaRPr lang="fr-FR" dirty="0"/>
           </a:p>
           <a:p>
             <a:pPr lvl="1"/>
             <a:r>
-              <a:rPr lang="fr-FR" dirty="0" smtClean="0"/>
+              <a:rPr lang="fr-FR" dirty="0"/>
               <a:t>Elliptique</a:t>
             </a:r>
           </a:p>
@@ -7270,10 +7030,9 @@
           <a:lstStyle/>
           <a:p>
             <a:r>
-              <a:rPr lang="fr-FR" dirty="0" smtClean="0"/>
+              <a:rPr lang="fr-FR" dirty="0"/>
               <a:t>Régression linéaire</a:t>
             </a:r>
-            <a:endParaRPr lang="fr-FR" dirty="0"/>
           </a:p>
         </p:txBody>
       </p:sp>
@@ -7293,7 +7052,7 @@
           <a:lstStyle/>
           <a:p>
             <a:r>
-              <a:rPr lang="fr-FR" dirty="0" smtClean="0"/>
+              <a:rPr lang="fr-FR" dirty="0"/>
               <a:t>Notre exemple montre une régression linéaire</a:t>
             </a:r>
           </a:p>
@@ -7389,10 +7148,9 @@
           <a:lstStyle/>
           <a:p>
             <a:r>
-              <a:rPr lang="fr-FR" dirty="0" smtClean="0"/>
+              <a:rPr lang="fr-FR" dirty="0"/>
               <a:t>Trouver le bon modèle</a:t>
             </a:r>
-            <a:endParaRPr lang="fr-FR" dirty="0"/>
           </a:p>
         </p:txBody>
       </p:sp>
@@ -7413,29 +7171,13 @@
           <a:p>
             <a:r>
               <a:rPr lang="fr-FR" dirty="0"/>
-              <a:t>Pour résumer, le travail de modélisation consiste à trouver le bon modèle statistique </a:t>
-            </a:r>
-            <a:r>
-              <a:rPr lang="fr-FR" dirty="0" smtClean="0"/>
-              <a:t>qui </a:t>
-            </a:r>
-            <a:r>
-              <a:rPr lang="fr-FR" dirty="0"/>
-              <a:t>colle le mieux aux données </a:t>
-            </a:r>
-            <a:r>
-              <a:rPr lang="fr-FR" dirty="0" smtClean="0"/>
-              <a:t>d'exemple</a:t>
-            </a:r>
-          </a:p>
-          <a:p>
-            <a:r>
-              <a:rPr lang="fr-FR" dirty="0" smtClean="0"/>
-              <a:t>Le </a:t>
-            </a:r>
-            <a:r>
-              <a:rPr lang="fr-FR" dirty="0"/>
-              <a:t>machine </a:t>
+              <a:t>Pour résumer, le travail de modélisation consiste à trouver le bon modèle statistique qui colle le mieux aux données d'exemple</a:t>
+            </a:r>
+          </a:p>
+          <a:p>
+            <a:r>
+              <a:rPr lang="fr-FR" dirty="0"/>
+              <a:t>Le machine </a:t>
             </a:r>
             <a:r>
               <a:rPr lang="fr-FR" dirty="0" err="1"/>
@@ -7443,20 +7185,16 @@
             </a:r>
             <a:r>
               <a:rPr lang="fr-FR" dirty="0"/>
-              <a:t> en particulier intervient pour trouver ce modèle de manière </a:t>
-            </a:r>
-            <a:r>
-              <a:rPr lang="fr-FR" dirty="0" smtClean="0"/>
-              <a:t>automatisée</a:t>
-            </a:r>
-          </a:p>
-          <a:p>
-            <a:r>
-              <a:rPr lang="fr-FR" dirty="0" smtClean="0"/>
+              <a:t> en particulier intervient pour trouver ce modèle de manière automatisée</a:t>
+            </a:r>
+          </a:p>
+          <a:p>
+            <a:r>
+              <a:rPr lang="fr-FR" dirty="0"/>
               <a:t>Problème du quartet d’</a:t>
             </a:r>
             <a:r>
-              <a:rPr lang="fr-FR" dirty="0" err="1" smtClean="0"/>
+              <a:rPr lang="fr-FR" dirty="0" err="1"/>
               <a:t>Ascombe</a:t>
             </a:r>
             <a:endParaRPr lang="fr-FR" dirty="0"/>
@@ -7509,11 +7247,11 @@
           <a:lstStyle/>
           <a:p>
             <a:r>
-              <a:rPr lang="fr-FR" dirty="0" smtClean="0"/>
+              <a:rPr lang="fr-FR" dirty="0"/>
               <a:t>Quartet d’</a:t>
             </a:r>
             <a:r>
-              <a:rPr lang="fr-FR" dirty="0" err="1" smtClean="0"/>
+              <a:rPr lang="fr-FR" dirty="0" err="1"/>
               <a:t>Ascombe</a:t>
             </a:r>
             <a:endParaRPr lang="fr-FR" dirty="0"/>
@@ -7536,17 +7274,16 @@
           <a:lstStyle/>
           <a:p>
             <a:r>
-              <a:rPr lang="fr-FR" dirty="0" smtClean="0"/>
+              <a:rPr lang="fr-FR" dirty="0"/>
               <a:t>Ces 4 modèles possède la même régression linéaire</a:t>
             </a:r>
           </a:p>
           <a:p>
             <a:pPr lvl="1"/>
             <a:r>
-              <a:rPr lang="fr-FR" dirty="0" smtClean="0"/>
+              <a:rPr lang="fr-FR" dirty="0"/>
               <a:t>Trouver les erreurs</a:t>
             </a:r>
-            <a:endParaRPr lang="fr-FR" dirty="0"/>
           </a:p>
         </p:txBody>
       </p:sp>
